--- a/src/images/Presentation2.pptx
+++ b/src/images/Presentation2.pptx
@@ -6,10 +6,11 @@
   </p:sldMasterIdLst>
   <p:sldIdLst>
     <p:sldId id="256" r:id="rId2"/>
-    <p:sldId id="257" r:id="rId3"/>
-    <p:sldId id="259" r:id="rId4"/>
-    <p:sldId id="258" r:id="rId5"/>
-    <p:sldId id="260" r:id="rId6"/>
+    <p:sldId id="261" r:id="rId3"/>
+    <p:sldId id="257" r:id="rId4"/>
+    <p:sldId id="259" r:id="rId5"/>
+    <p:sldId id="258" r:id="rId6"/>
+    <p:sldId id="260" r:id="rId7"/>
   </p:sldIdLst>
   <p:sldSz cx="12192000" cy="6858000"/>
   <p:notesSz cx="6858000" cy="9144000"/>
@@ -108,6 +109,11 @@
       </a:defRPr>
     </a:lvl9pPr>
   </p:defaultTextStyle>
+  <p:extLst>
+    <p:ext uri="{EFAFB233-063F-42B5-8137-9DF3F51BA10A}">
+      <p15:sldGuideLst xmlns:p15="http://schemas.microsoft.com/office/powerpoint/2012/main"/>
+    </p:ext>
+  </p:extLst>
 </p:presentation>
 </file>
 
@@ -133,7 +139,7 @@
           <p:cNvPr id="2" name="Title 1">
             <a:extLst>
               <a:ext uri="{FF2B5EF4-FFF2-40B4-BE49-F238E27FC236}">
-                <a16:creationId xmlns:a16="http://schemas.microsoft.com/office/drawing/2014/main" id="{427E56AD-E66D-AF4C-85A8-84400B7FDC6E}"/>
+                <a16:creationId xmlns:a16="http://schemas.microsoft.com/office/drawing/2014/main" xmlns="" id="{427E56AD-E66D-AF4C-85A8-84400B7FDC6E}"/>
               </a:ext>
             </a:extLst>
           </p:cNvPr>
@@ -170,7 +176,7 @@
           <p:cNvPr id="3" name="Subtitle 2">
             <a:extLst>
               <a:ext uri="{FF2B5EF4-FFF2-40B4-BE49-F238E27FC236}">
-                <a16:creationId xmlns:a16="http://schemas.microsoft.com/office/drawing/2014/main" id="{DE08AFAF-E830-034F-A3CB-F7616CA6EF74}"/>
+                <a16:creationId xmlns:a16="http://schemas.microsoft.com/office/drawing/2014/main" xmlns="" id="{DE08AFAF-E830-034F-A3CB-F7616CA6EF74}"/>
               </a:ext>
             </a:extLst>
           </p:cNvPr>
@@ -240,7 +246,7 @@
           <p:cNvPr id="4" name="Date Placeholder 3">
             <a:extLst>
               <a:ext uri="{FF2B5EF4-FFF2-40B4-BE49-F238E27FC236}">
-                <a16:creationId xmlns:a16="http://schemas.microsoft.com/office/drawing/2014/main" id="{3617FDB0-3DB1-9344-B12E-EC965D5600CD}"/>
+                <a16:creationId xmlns:a16="http://schemas.microsoft.com/office/drawing/2014/main" xmlns="" id="{3617FDB0-3DB1-9344-B12E-EC965D5600CD}"/>
               </a:ext>
             </a:extLst>
           </p:cNvPr>
@@ -258,7 +264,7 @@
           <a:p>
             <a:fld id="{39086945-8C11-C448-A258-728D1AC0750F}" type="datetimeFigureOut">
               <a:rPr lang="en-US" smtClean="0"/>
-              <a:t>8/18/21</a:t>
+              <a:t>8/18/2021</a:t>
             </a:fld>
             <a:endParaRPr lang="en-US"/>
           </a:p>
@@ -269,7 +275,7 @@
           <p:cNvPr id="5" name="Footer Placeholder 4">
             <a:extLst>
               <a:ext uri="{FF2B5EF4-FFF2-40B4-BE49-F238E27FC236}">
-                <a16:creationId xmlns:a16="http://schemas.microsoft.com/office/drawing/2014/main" id="{901C3C12-6BA5-DB45-8034-8A416234E1F3}"/>
+                <a16:creationId xmlns:a16="http://schemas.microsoft.com/office/drawing/2014/main" xmlns="" id="{901C3C12-6BA5-DB45-8034-8A416234E1F3}"/>
               </a:ext>
             </a:extLst>
           </p:cNvPr>
@@ -294,7 +300,7 @@
           <p:cNvPr id="6" name="Slide Number Placeholder 5">
             <a:extLst>
               <a:ext uri="{FF2B5EF4-FFF2-40B4-BE49-F238E27FC236}">
-                <a16:creationId xmlns:a16="http://schemas.microsoft.com/office/drawing/2014/main" id="{7CDC6E7A-51A6-9C4C-904F-C8A13492585A}"/>
+                <a16:creationId xmlns:a16="http://schemas.microsoft.com/office/drawing/2014/main" xmlns="" id="{7CDC6E7A-51A6-9C4C-904F-C8A13492585A}"/>
               </a:ext>
             </a:extLst>
           </p:cNvPr>
@@ -353,7 +359,7 @@
           <p:cNvPr id="2" name="Title 1">
             <a:extLst>
               <a:ext uri="{FF2B5EF4-FFF2-40B4-BE49-F238E27FC236}">
-                <a16:creationId xmlns:a16="http://schemas.microsoft.com/office/drawing/2014/main" id="{20055C6B-7B5E-DA4A-A054-A06EBFB863B2}"/>
+                <a16:creationId xmlns:a16="http://schemas.microsoft.com/office/drawing/2014/main" xmlns="" id="{20055C6B-7B5E-DA4A-A054-A06EBFB863B2}"/>
               </a:ext>
             </a:extLst>
           </p:cNvPr>
@@ -381,7 +387,7 @@
           <p:cNvPr id="3" name="Vertical Text Placeholder 2">
             <a:extLst>
               <a:ext uri="{FF2B5EF4-FFF2-40B4-BE49-F238E27FC236}">
-                <a16:creationId xmlns:a16="http://schemas.microsoft.com/office/drawing/2014/main" id="{0320D8E5-6DA9-A744-965B-C19EF1C9C09B}"/>
+                <a16:creationId xmlns:a16="http://schemas.microsoft.com/office/drawing/2014/main" xmlns="" id="{0320D8E5-6DA9-A744-965B-C19EF1C9C09B}"/>
               </a:ext>
             </a:extLst>
           </p:cNvPr>
@@ -438,7 +444,7 @@
           <p:cNvPr id="4" name="Date Placeholder 3">
             <a:extLst>
               <a:ext uri="{FF2B5EF4-FFF2-40B4-BE49-F238E27FC236}">
-                <a16:creationId xmlns:a16="http://schemas.microsoft.com/office/drawing/2014/main" id="{95D19A88-F716-F547-91A3-43D9AF6AF99F}"/>
+                <a16:creationId xmlns:a16="http://schemas.microsoft.com/office/drawing/2014/main" xmlns="" id="{95D19A88-F716-F547-91A3-43D9AF6AF99F}"/>
               </a:ext>
             </a:extLst>
           </p:cNvPr>
@@ -456,7 +462,7 @@
           <a:p>
             <a:fld id="{39086945-8C11-C448-A258-728D1AC0750F}" type="datetimeFigureOut">
               <a:rPr lang="en-US" smtClean="0"/>
-              <a:t>8/18/21</a:t>
+              <a:t>8/18/2021</a:t>
             </a:fld>
             <a:endParaRPr lang="en-US"/>
           </a:p>
@@ -467,7 +473,7 @@
           <p:cNvPr id="5" name="Footer Placeholder 4">
             <a:extLst>
               <a:ext uri="{FF2B5EF4-FFF2-40B4-BE49-F238E27FC236}">
-                <a16:creationId xmlns:a16="http://schemas.microsoft.com/office/drawing/2014/main" id="{809FA3C7-2389-E945-8E50-45DF08B5AF95}"/>
+                <a16:creationId xmlns:a16="http://schemas.microsoft.com/office/drawing/2014/main" xmlns="" id="{809FA3C7-2389-E945-8E50-45DF08B5AF95}"/>
               </a:ext>
             </a:extLst>
           </p:cNvPr>
@@ -492,7 +498,7 @@
           <p:cNvPr id="6" name="Slide Number Placeholder 5">
             <a:extLst>
               <a:ext uri="{FF2B5EF4-FFF2-40B4-BE49-F238E27FC236}">
-                <a16:creationId xmlns:a16="http://schemas.microsoft.com/office/drawing/2014/main" id="{9AF3F776-5D26-B743-81D3-153926CB8920}"/>
+                <a16:creationId xmlns:a16="http://schemas.microsoft.com/office/drawing/2014/main" xmlns="" id="{9AF3F776-5D26-B743-81D3-153926CB8920}"/>
               </a:ext>
             </a:extLst>
           </p:cNvPr>
@@ -551,7 +557,7 @@
           <p:cNvPr id="2" name="Vertical Title 1">
             <a:extLst>
               <a:ext uri="{FF2B5EF4-FFF2-40B4-BE49-F238E27FC236}">
-                <a16:creationId xmlns:a16="http://schemas.microsoft.com/office/drawing/2014/main" id="{3E8BBCB4-B4C8-5344-B7A1-2C1DB74845F7}"/>
+                <a16:creationId xmlns:a16="http://schemas.microsoft.com/office/drawing/2014/main" xmlns="" id="{3E8BBCB4-B4C8-5344-B7A1-2C1DB74845F7}"/>
               </a:ext>
             </a:extLst>
           </p:cNvPr>
@@ -584,7 +590,7 @@
           <p:cNvPr id="3" name="Vertical Text Placeholder 2">
             <a:extLst>
               <a:ext uri="{FF2B5EF4-FFF2-40B4-BE49-F238E27FC236}">
-                <a16:creationId xmlns:a16="http://schemas.microsoft.com/office/drawing/2014/main" id="{1A317ECC-9BBA-BA41-ADEE-E1582A33D19C}"/>
+                <a16:creationId xmlns:a16="http://schemas.microsoft.com/office/drawing/2014/main" xmlns="" id="{1A317ECC-9BBA-BA41-ADEE-E1582A33D19C}"/>
               </a:ext>
             </a:extLst>
           </p:cNvPr>
@@ -646,7 +652,7 @@
           <p:cNvPr id="4" name="Date Placeholder 3">
             <a:extLst>
               <a:ext uri="{FF2B5EF4-FFF2-40B4-BE49-F238E27FC236}">
-                <a16:creationId xmlns:a16="http://schemas.microsoft.com/office/drawing/2014/main" id="{416527CD-2BEF-2843-9BBF-D6056910630A}"/>
+                <a16:creationId xmlns:a16="http://schemas.microsoft.com/office/drawing/2014/main" xmlns="" id="{416527CD-2BEF-2843-9BBF-D6056910630A}"/>
               </a:ext>
             </a:extLst>
           </p:cNvPr>
@@ -664,7 +670,7 @@
           <a:p>
             <a:fld id="{39086945-8C11-C448-A258-728D1AC0750F}" type="datetimeFigureOut">
               <a:rPr lang="en-US" smtClean="0"/>
-              <a:t>8/18/21</a:t>
+              <a:t>8/18/2021</a:t>
             </a:fld>
             <a:endParaRPr lang="en-US"/>
           </a:p>
@@ -675,7 +681,7 @@
           <p:cNvPr id="5" name="Footer Placeholder 4">
             <a:extLst>
               <a:ext uri="{FF2B5EF4-FFF2-40B4-BE49-F238E27FC236}">
-                <a16:creationId xmlns:a16="http://schemas.microsoft.com/office/drawing/2014/main" id="{0C89DA8D-E69E-6C45-A35B-9D0CACAACB0D}"/>
+                <a16:creationId xmlns:a16="http://schemas.microsoft.com/office/drawing/2014/main" xmlns="" id="{0C89DA8D-E69E-6C45-A35B-9D0CACAACB0D}"/>
               </a:ext>
             </a:extLst>
           </p:cNvPr>
@@ -700,7 +706,7 @@
           <p:cNvPr id="6" name="Slide Number Placeholder 5">
             <a:extLst>
               <a:ext uri="{FF2B5EF4-FFF2-40B4-BE49-F238E27FC236}">
-                <a16:creationId xmlns:a16="http://schemas.microsoft.com/office/drawing/2014/main" id="{F75359E7-851E-E24C-87A5-6AD5F33F562D}"/>
+                <a16:creationId xmlns:a16="http://schemas.microsoft.com/office/drawing/2014/main" xmlns="" id="{F75359E7-851E-E24C-87A5-6AD5F33F562D}"/>
               </a:ext>
             </a:extLst>
           </p:cNvPr>
@@ -759,7 +765,7 @@
           <p:cNvPr id="2" name="Title 1">
             <a:extLst>
               <a:ext uri="{FF2B5EF4-FFF2-40B4-BE49-F238E27FC236}">
-                <a16:creationId xmlns:a16="http://schemas.microsoft.com/office/drawing/2014/main" id="{8A06B43F-9020-1C41-B0B8-B6607ED84A57}"/>
+                <a16:creationId xmlns:a16="http://schemas.microsoft.com/office/drawing/2014/main" xmlns="" id="{8A06B43F-9020-1C41-B0B8-B6607ED84A57}"/>
               </a:ext>
             </a:extLst>
           </p:cNvPr>
@@ -787,7 +793,7 @@
           <p:cNvPr id="3" name="Content Placeholder 2">
             <a:extLst>
               <a:ext uri="{FF2B5EF4-FFF2-40B4-BE49-F238E27FC236}">
-                <a16:creationId xmlns:a16="http://schemas.microsoft.com/office/drawing/2014/main" id="{F3937060-B75D-C44A-A64E-E0CDF7ABB10B}"/>
+                <a16:creationId xmlns:a16="http://schemas.microsoft.com/office/drawing/2014/main" xmlns="" id="{F3937060-B75D-C44A-A64E-E0CDF7ABB10B}"/>
               </a:ext>
             </a:extLst>
           </p:cNvPr>
@@ -844,7 +850,7 @@
           <p:cNvPr id="4" name="Date Placeholder 3">
             <a:extLst>
               <a:ext uri="{FF2B5EF4-FFF2-40B4-BE49-F238E27FC236}">
-                <a16:creationId xmlns:a16="http://schemas.microsoft.com/office/drawing/2014/main" id="{B607C919-E4D1-9348-A744-B67AC711AC5B}"/>
+                <a16:creationId xmlns:a16="http://schemas.microsoft.com/office/drawing/2014/main" xmlns="" id="{B607C919-E4D1-9348-A744-B67AC711AC5B}"/>
               </a:ext>
             </a:extLst>
           </p:cNvPr>
@@ -862,7 +868,7 @@
           <a:p>
             <a:fld id="{39086945-8C11-C448-A258-728D1AC0750F}" type="datetimeFigureOut">
               <a:rPr lang="en-US" smtClean="0"/>
-              <a:t>8/18/21</a:t>
+              <a:t>8/18/2021</a:t>
             </a:fld>
             <a:endParaRPr lang="en-US"/>
           </a:p>
@@ -873,7 +879,7 @@
           <p:cNvPr id="5" name="Footer Placeholder 4">
             <a:extLst>
               <a:ext uri="{FF2B5EF4-FFF2-40B4-BE49-F238E27FC236}">
-                <a16:creationId xmlns:a16="http://schemas.microsoft.com/office/drawing/2014/main" id="{A6A99BE4-BAF0-DA4A-AB0B-8AEB745CFB4B}"/>
+                <a16:creationId xmlns:a16="http://schemas.microsoft.com/office/drawing/2014/main" xmlns="" id="{A6A99BE4-BAF0-DA4A-AB0B-8AEB745CFB4B}"/>
               </a:ext>
             </a:extLst>
           </p:cNvPr>
@@ -898,7 +904,7 @@
           <p:cNvPr id="6" name="Slide Number Placeholder 5">
             <a:extLst>
               <a:ext uri="{FF2B5EF4-FFF2-40B4-BE49-F238E27FC236}">
-                <a16:creationId xmlns:a16="http://schemas.microsoft.com/office/drawing/2014/main" id="{54F5F8E1-E8F9-EF4D-A238-8AE8D9866405}"/>
+                <a16:creationId xmlns:a16="http://schemas.microsoft.com/office/drawing/2014/main" xmlns="" id="{54F5F8E1-E8F9-EF4D-A238-8AE8D9866405}"/>
               </a:ext>
             </a:extLst>
           </p:cNvPr>
@@ -957,7 +963,7 @@
           <p:cNvPr id="2" name="Title 1">
             <a:extLst>
               <a:ext uri="{FF2B5EF4-FFF2-40B4-BE49-F238E27FC236}">
-                <a16:creationId xmlns:a16="http://schemas.microsoft.com/office/drawing/2014/main" id="{62275DE4-1AC1-4349-8C76-A9958CDBB095}"/>
+                <a16:creationId xmlns:a16="http://schemas.microsoft.com/office/drawing/2014/main" xmlns="" id="{62275DE4-1AC1-4349-8C76-A9958CDBB095}"/>
               </a:ext>
             </a:extLst>
           </p:cNvPr>
@@ -994,7 +1000,7 @@
           <p:cNvPr id="3" name="Text Placeholder 2">
             <a:extLst>
               <a:ext uri="{FF2B5EF4-FFF2-40B4-BE49-F238E27FC236}">
-                <a16:creationId xmlns:a16="http://schemas.microsoft.com/office/drawing/2014/main" id="{A6239CBE-9200-0146-9707-862F5E5C6F01}"/>
+                <a16:creationId xmlns:a16="http://schemas.microsoft.com/office/drawing/2014/main" xmlns="" id="{A6239CBE-9200-0146-9707-862F5E5C6F01}"/>
               </a:ext>
             </a:extLst>
           </p:cNvPr>
@@ -1119,7 +1125,7 @@
           <p:cNvPr id="4" name="Date Placeholder 3">
             <a:extLst>
               <a:ext uri="{FF2B5EF4-FFF2-40B4-BE49-F238E27FC236}">
-                <a16:creationId xmlns:a16="http://schemas.microsoft.com/office/drawing/2014/main" id="{0F21DB87-935C-DC4F-87FE-E2194EDF95C8}"/>
+                <a16:creationId xmlns:a16="http://schemas.microsoft.com/office/drawing/2014/main" xmlns="" id="{0F21DB87-935C-DC4F-87FE-E2194EDF95C8}"/>
               </a:ext>
             </a:extLst>
           </p:cNvPr>
@@ -1137,7 +1143,7 @@
           <a:p>
             <a:fld id="{39086945-8C11-C448-A258-728D1AC0750F}" type="datetimeFigureOut">
               <a:rPr lang="en-US" smtClean="0"/>
-              <a:t>8/18/21</a:t>
+              <a:t>8/18/2021</a:t>
             </a:fld>
             <a:endParaRPr lang="en-US"/>
           </a:p>
@@ -1148,7 +1154,7 @@
           <p:cNvPr id="5" name="Footer Placeholder 4">
             <a:extLst>
               <a:ext uri="{FF2B5EF4-FFF2-40B4-BE49-F238E27FC236}">
-                <a16:creationId xmlns:a16="http://schemas.microsoft.com/office/drawing/2014/main" id="{3A95FE7E-4513-D041-B2E3-9D175DA1A5BF}"/>
+                <a16:creationId xmlns:a16="http://schemas.microsoft.com/office/drawing/2014/main" xmlns="" id="{3A95FE7E-4513-D041-B2E3-9D175DA1A5BF}"/>
               </a:ext>
             </a:extLst>
           </p:cNvPr>
@@ -1173,7 +1179,7 @@
           <p:cNvPr id="6" name="Slide Number Placeholder 5">
             <a:extLst>
               <a:ext uri="{FF2B5EF4-FFF2-40B4-BE49-F238E27FC236}">
-                <a16:creationId xmlns:a16="http://schemas.microsoft.com/office/drawing/2014/main" id="{CFAA9BB5-5032-7F48-9006-DDC94CF17F2F}"/>
+                <a16:creationId xmlns:a16="http://schemas.microsoft.com/office/drawing/2014/main" xmlns="" id="{CFAA9BB5-5032-7F48-9006-DDC94CF17F2F}"/>
               </a:ext>
             </a:extLst>
           </p:cNvPr>
@@ -1232,7 +1238,7 @@
           <p:cNvPr id="2" name="Title 1">
             <a:extLst>
               <a:ext uri="{FF2B5EF4-FFF2-40B4-BE49-F238E27FC236}">
-                <a16:creationId xmlns:a16="http://schemas.microsoft.com/office/drawing/2014/main" id="{9BB79AA1-FDB4-4E4B-99C6-42B80F3EBA0B}"/>
+                <a16:creationId xmlns:a16="http://schemas.microsoft.com/office/drawing/2014/main" xmlns="" id="{9BB79AA1-FDB4-4E4B-99C6-42B80F3EBA0B}"/>
               </a:ext>
             </a:extLst>
           </p:cNvPr>
@@ -1260,7 +1266,7 @@
           <p:cNvPr id="3" name="Content Placeholder 2">
             <a:extLst>
               <a:ext uri="{FF2B5EF4-FFF2-40B4-BE49-F238E27FC236}">
-                <a16:creationId xmlns:a16="http://schemas.microsoft.com/office/drawing/2014/main" id="{875F5BF4-38B5-2B49-BED3-832D1B6F52E3}"/>
+                <a16:creationId xmlns:a16="http://schemas.microsoft.com/office/drawing/2014/main" xmlns="" id="{875F5BF4-38B5-2B49-BED3-832D1B6F52E3}"/>
               </a:ext>
             </a:extLst>
           </p:cNvPr>
@@ -1322,7 +1328,7 @@
           <p:cNvPr id="4" name="Content Placeholder 3">
             <a:extLst>
               <a:ext uri="{FF2B5EF4-FFF2-40B4-BE49-F238E27FC236}">
-                <a16:creationId xmlns:a16="http://schemas.microsoft.com/office/drawing/2014/main" id="{048528B8-CB22-2445-93CF-1E640A1DCE20}"/>
+                <a16:creationId xmlns:a16="http://schemas.microsoft.com/office/drawing/2014/main" xmlns="" id="{048528B8-CB22-2445-93CF-1E640A1DCE20}"/>
               </a:ext>
             </a:extLst>
           </p:cNvPr>
@@ -1384,7 +1390,7 @@
           <p:cNvPr id="5" name="Date Placeholder 4">
             <a:extLst>
               <a:ext uri="{FF2B5EF4-FFF2-40B4-BE49-F238E27FC236}">
-                <a16:creationId xmlns:a16="http://schemas.microsoft.com/office/drawing/2014/main" id="{E7741D00-7F8D-3A43-B7EC-F85634C9CBD6}"/>
+                <a16:creationId xmlns:a16="http://schemas.microsoft.com/office/drawing/2014/main" xmlns="" id="{E7741D00-7F8D-3A43-B7EC-F85634C9CBD6}"/>
               </a:ext>
             </a:extLst>
           </p:cNvPr>
@@ -1402,7 +1408,7 @@
           <a:p>
             <a:fld id="{39086945-8C11-C448-A258-728D1AC0750F}" type="datetimeFigureOut">
               <a:rPr lang="en-US" smtClean="0"/>
-              <a:t>8/18/21</a:t>
+              <a:t>8/18/2021</a:t>
             </a:fld>
             <a:endParaRPr lang="en-US"/>
           </a:p>
@@ -1413,7 +1419,7 @@
           <p:cNvPr id="6" name="Footer Placeholder 5">
             <a:extLst>
               <a:ext uri="{FF2B5EF4-FFF2-40B4-BE49-F238E27FC236}">
-                <a16:creationId xmlns:a16="http://schemas.microsoft.com/office/drawing/2014/main" id="{72037489-EB0C-9542-A1EC-F0B5DB3A66FA}"/>
+                <a16:creationId xmlns:a16="http://schemas.microsoft.com/office/drawing/2014/main" xmlns="" id="{72037489-EB0C-9542-A1EC-F0B5DB3A66FA}"/>
               </a:ext>
             </a:extLst>
           </p:cNvPr>
@@ -1438,7 +1444,7 @@
           <p:cNvPr id="7" name="Slide Number Placeholder 6">
             <a:extLst>
               <a:ext uri="{FF2B5EF4-FFF2-40B4-BE49-F238E27FC236}">
-                <a16:creationId xmlns:a16="http://schemas.microsoft.com/office/drawing/2014/main" id="{E5C3D736-C04B-2A4F-9184-44B45402D900}"/>
+                <a16:creationId xmlns:a16="http://schemas.microsoft.com/office/drawing/2014/main" xmlns="" id="{E5C3D736-C04B-2A4F-9184-44B45402D900}"/>
               </a:ext>
             </a:extLst>
           </p:cNvPr>
@@ -1497,7 +1503,7 @@
           <p:cNvPr id="2" name="Title 1">
             <a:extLst>
               <a:ext uri="{FF2B5EF4-FFF2-40B4-BE49-F238E27FC236}">
-                <a16:creationId xmlns:a16="http://schemas.microsoft.com/office/drawing/2014/main" id="{F3651D61-87B4-BA45-805B-D864BD600E7F}"/>
+                <a16:creationId xmlns:a16="http://schemas.microsoft.com/office/drawing/2014/main" xmlns="" id="{F3651D61-87B4-BA45-805B-D864BD600E7F}"/>
               </a:ext>
             </a:extLst>
           </p:cNvPr>
@@ -1530,7 +1536,7 @@
           <p:cNvPr id="3" name="Text Placeholder 2">
             <a:extLst>
               <a:ext uri="{FF2B5EF4-FFF2-40B4-BE49-F238E27FC236}">
-                <a16:creationId xmlns:a16="http://schemas.microsoft.com/office/drawing/2014/main" id="{54E757D2-4C83-3D41-906D-CBB40165EC41}"/>
+                <a16:creationId xmlns:a16="http://schemas.microsoft.com/office/drawing/2014/main" xmlns="" id="{54E757D2-4C83-3D41-906D-CBB40165EC41}"/>
               </a:ext>
             </a:extLst>
           </p:cNvPr>
@@ -1601,7 +1607,7 @@
           <p:cNvPr id="4" name="Content Placeholder 3">
             <a:extLst>
               <a:ext uri="{FF2B5EF4-FFF2-40B4-BE49-F238E27FC236}">
-                <a16:creationId xmlns:a16="http://schemas.microsoft.com/office/drawing/2014/main" id="{A31F074F-BACF-9445-BFE3-D94F15BBC633}"/>
+                <a16:creationId xmlns:a16="http://schemas.microsoft.com/office/drawing/2014/main" xmlns="" id="{A31F074F-BACF-9445-BFE3-D94F15BBC633}"/>
               </a:ext>
             </a:extLst>
           </p:cNvPr>
@@ -1663,7 +1669,7 @@
           <p:cNvPr id="5" name="Text Placeholder 4">
             <a:extLst>
               <a:ext uri="{FF2B5EF4-FFF2-40B4-BE49-F238E27FC236}">
-                <a16:creationId xmlns:a16="http://schemas.microsoft.com/office/drawing/2014/main" id="{0D7FDE87-A8B5-7348-B77E-B90D2FA4F97E}"/>
+                <a16:creationId xmlns:a16="http://schemas.microsoft.com/office/drawing/2014/main" xmlns="" id="{0D7FDE87-A8B5-7348-B77E-B90D2FA4F97E}"/>
               </a:ext>
             </a:extLst>
           </p:cNvPr>
@@ -1734,7 +1740,7 @@
           <p:cNvPr id="6" name="Content Placeholder 5">
             <a:extLst>
               <a:ext uri="{FF2B5EF4-FFF2-40B4-BE49-F238E27FC236}">
-                <a16:creationId xmlns:a16="http://schemas.microsoft.com/office/drawing/2014/main" id="{1D277F27-9B49-314F-A517-727C760386E0}"/>
+                <a16:creationId xmlns:a16="http://schemas.microsoft.com/office/drawing/2014/main" xmlns="" id="{1D277F27-9B49-314F-A517-727C760386E0}"/>
               </a:ext>
             </a:extLst>
           </p:cNvPr>
@@ -1796,7 +1802,7 @@
           <p:cNvPr id="7" name="Date Placeholder 6">
             <a:extLst>
               <a:ext uri="{FF2B5EF4-FFF2-40B4-BE49-F238E27FC236}">
-                <a16:creationId xmlns:a16="http://schemas.microsoft.com/office/drawing/2014/main" id="{E1039C30-A382-2041-B405-991FC8184670}"/>
+                <a16:creationId xmlns:a16="http://schemas.microsoft.com/office/drawing/2014/main" xmlns="" id="{E1039C30-A382-2041-B405-991FC8184670}"/>
               </a:ext>
             </a:extLst>
           </p:cNvPr>
@@ -1814,7 +1820,7 @@
           <a:p>
             <a:fld id="{39086945-8C11-C448-A258-728D1AC0750F}" type="datetimeFigureOut">
               <a:rPr lang="en-US" smtClean="0"/>
-              <a:t>8/18/21</a:t>
+              <a:t>8/18/2021</a:t>
             </a:fld>
             <a:endParaRPr lang="en-US"/>
           </a:p>
@@ -1825,7 +1831,7 @@
           <p:cNvPr id="8" name="Footer Placeholder 7">
             <a:extLst>
               <a:ext uri="{FF2B5EF4-FFF2-40B4-BE49-F238E27FC236}">
-                <a16:creationId xmlns:a16="http://schemas.microsoft.com/office/drawing/2014/main" id="{72FC4755-F936-5744-B5B5-0E28CBEEDBA7}"/>
+                <a16:creationId xmlns:a16="http://schemas.microsoft.com/office/drawing/2014/main" xmlns="" id="{72FC4755-F936-5744-B5B5-0E28CBEEDBA7}"/>
               </a:ext>
             </a:extLst>
           </p:cNvPr>
@@ -1850,7 +1856,7 @@
           <p:cNvPr id="9" name="Slide Number Placeholder 8">
             <a:extLst>
               <a:ext uri="{FF2B5EF4-FFF2-40B4-BE49-F238E27FC236}">
-                <a16:creationId xmlns:a16="http://schemas.microsoft.com/office/drawing/2014/main" id="{9A07530D-49CF-544A-9BC9-68EAB8DD14E5}"/>
+                <a16:creationId xmlns:a16="http://schemas.microsoft.com/office/drawing/2014/main" xmlns="" id="{9A07530D-49CF-544A-9BC9-68EAB8DD14E5}"/>
               </a:ext>
             </a:extLst>
           </p:cNvPr>
@@ -1909,7 +1915,7 @@
           <p:cNvPr id="2" name="Title 1">
             <a:extLst>
               <a:ext uri="{FF2B5EF4-FFF2-40B4-BE49-F238E27FC236}">
-                <a16:creationId xmlns:a16="http://schemas.microsoft.com/office/drawing/2014/main" id="{5BC40AD8-3678-2C41-953F-AB7033554A2A}"/>
+                <a16:creationId xmlns:a16="http://schemas.microsoft.com/office/drawing/2014/main" xmlns="" id="{5BC40AD8-3678-2C41-953F-AB7033554A2A}"/>
               </a:ext>
             </a:extLst>
           </p:cNvPr>
@@ -1937,7 +1943,7 @@
           <p:cNvPr id="3" name="Date Placeholder 2">
             <a:extLst>
               <a:ext uri="{FF2B5EF4-FFF2-40B4-BE49-F238E27FC236}">
-                <a16:creationId xmlns:a16="http://schemas.microsoft.com/office/drawing/2014/main" id="{B0F143FA-3A78-BA40-B0E8-56DD657E6C2B}"/>
+                <a16:creationId xmlns:a16="http://schemas.microsoft.com/office/drawing/2014/main" xmlns="" id="{B0F143FA-3A78-BA40-B0E8-56DD657E6C2B}"/>
               </a:ext>
             </a:extLst>
           </p:cNvPr>
@@ -1955,7 +1961,7 @@
           <a:p>
             <a:fld id="{39086945-8C11-C448-A258-728D1AC0750F}" type="datetimeFigureOut">
               <a:rPr lang="en-US" smtClean="0"/>
-              <a:t>8/18/21</a:t>
+              <a:t>8/18/2021</a:t>
             </a:fld>
             <a:endParaRPr lang="en-US"/>
           </a:p>
@@ -1966,7 +1972,7 @@
           <p:cNvPr id="4" name="Footer Placeholder 3">
             <a:extLst>
               <a:ext uri="{FF2B5EF4-FFF2-40B4-BE49-F238E27FC236}">
-                <a16:creationId xmlns:a16="http://schemas.microsoft.com/office/drawing/2014/main" id="{D06A4AAF-32AE-F149-B172-5C9173C685EF}"/>
+                <a16:creationId xmlns:a16="http://schemas.microsoft.com/office/drawing/2014/main" xmlns="" id="{D06A4AAF-32AE-F149-B172-5C9173C685EF}"/>
               </a:ext>
             </a:extLst>
           </p:cNvPr>
@@ -1991,7 +1997,7 @@
           <p:cNvPr id="5" name="Slide Number Placeholder 4">
             <a:extLst>
               <a:ext uri="{FF2B5EF4-FFF2-40B4-BE49-F238E27FC236}">
-                <a16:creationId xmlns:a16="http://schemas.microsoft.com/office/drawing/2014/main" id="{7F67E863-3847-C644-9A45-B052D030E3C4}"/>
+                <a16:creationId xmlns:a16="http://schemas.microsoft.com/office/drawing/2014/main" xmlns="" id="{7F67E863-3847-C644-9A45-B052D030E3C4}"/>
               </a:ext>
             </a:extLst>
           </p:cNvPr>
@@ -2050,7 +2056,7 @@
           <p:cNvPr id="2" name="Date Placeholder 1">
             <a:extLst>
               <a:ext uri="{FF2B5EF4-FFF2-40B4-BE49-F238E27FC236}">
-                <a16:creationId xmlns:a16="http://schemas.microsoft.com/office/drawing/2014/main" id="{5DFE8441-E822-8C44-BF73-6300C95BD919}"/>
+                <a16:creationId xmlns:a16="http://schemas.microsoft.com/office/drawing/2014/main" xmlns="" id="{5DFE8441-E822-8C44-BF73-6300C95BD919}"/>
               </a:ext>
             </a:extLst>
           </p:cNvPr>
@@ -2068,7 +2074,7 @@
           <a:p>
             <a:fld id="{39086945-8C11-C448-A258-728D1AC0750F}" type="datetimeFigureOut">
               <a:rPr lang="en-US" smtClean="0"/>
-              <a:t>8/18/21</a:t>
+              <a:t>8/18/2021</a:t>
             </a:fld>
             <a:endParaRPr lang="en-US"/>
           </a:p>
@@ -2079,7 +2085,7 @@
           <p:cNvPr id="3" name="Footer Placeholder 2">
             <a:extLst>
               <a:ext uri="{FF2B5EF4-FFF2-40B4-BE49-F238E27FC236}">
-                <a16:creationId xmlns:a16="http://schemas.microsoft.com/office/drawing/2014/main" id="{03236FD9-99EB-4940-947D-9D0678C917E5}"/>
+                <a16:creationId xmlns:a16="http://schemas.microsoft.com/office/drawing/2014/main" xmlns="" id="{03236FD9-99EB-4940-947D-9D0678C917E5}"/>
               </a:ext>
             </a:extLst>
           </p:cNvPr>
@@ -2104,7 +2110,7 @@
           <p:cNvPr id="4" name="Slide Number Placeholder 3">
             <a:extLst>
               <a:ext uri="{FF2B5EF4-FFF2-40B4-BE49-F238E27FC236}">
-                <a16:creationId xmlns:a16="http://schemas.microsoft.com/office/drawing/2014/main" id="{4C80D134-5984-1C4F-A938-169B07249E9A}"/>
+                <a16:creationId xmlns:a16="http://schemas.microsoft.com/office/drawing/2014/main" xmlns="" id="{4C80D134-5984-1C4F-A938-169B07249E9A}"/>
               </a:ext>
             </a:extLst>
           </p:cNvPr>
@@ -2163,7 +2169,7 @@
           <p:cNvPr id="2" name="Title 1">
             <a:extLst>
               <a:ext uri="{FF2B5EF4-FFF2-40B4-BE49-F238E27FC236}">
-                <a16:creationId xmlns:a16="http://schemas.microsoft.com/office/drawing/2014/main" id="{CA222268-6159-1B49-AB30-A4DC7F220D39}"/>
+                <a16:creationId xmlns:a16="http://schemas.microsoft.com/office/drawing/2014/main" xmlns="" id="{CA222268-6159-1B49-AB30-A4DC7F220D39}"/>
               </a:ext>
             </a:extLst>
           </p:cNvPr>
@@ -2200,7 +2206,7 @@
           <p:cNvPr id="3" name="Content Placeholder 2">
             <a:extLst>
               <a:ext uri="{FF2B5EF4-FFF2-40B4-BE49-F238E27FC236}">
-                <a16:creationId xmlns:a16="http://schemas.microsoft.com/office/drawing/2014/main" id="{D66C2E1A-261D-2644-B4C0-E81D3AD8CFD2}"/>
+                <a16:creationId xmlns:a16="http://schemas.microsoft.com/office/drawing/2014/main" xmlns="" id="{D66C2E1A-261D-2644-B4C0-E81D3AD8CFD2}"/>
               </a:ext>
             </a:extLst>
           </p:cNvPr>
@@ -2290,7 +2296,7 @@
           <p:cNvPr id="4" name="Text Placeholder 3">
             <a:extLst>
               <a:ext uri="{FF2B5EF4-FFF2-40B4-BE49-F238E27FC236}">
-                <a16:creationId xmlns:a16="http://schemas.microsoft.com/office/drawing/2014/main" id="{329784C1-0626-6E44-8180-253640585770}"/>
+                <a16:creationId xmlns:a16="http://schemas.microsoft.com/office/drawing/2014/main" xmlns="" id="{329784C1-0626-6E44-8180-253640585770}"/>
               </a:ext>
             </a:extLst>
           </p:cNvPr>
@@ -2361,7 +2367,7 @@
           <p:cNvPr id="5" name="Date Placeholder 4">
             <a:extLst>
               <a:ext uri="{FF2B5EF4-FFF2-40B4-BE49-F238E27FC236}">
-                <a16:creationId xmlns:a16="http://schemas.microsoft.com/office/drawing/2014/main" id="{851AB236-5FA8-9942-8E4D-DFDE16371227}"/>
+                <a16:creationId xmlns:a16="http://schemas.microsoft.com/office/drawing/2014/main" xmlns="" id="{851AB236-5FA8-9942-8E4D-DFDE16371227}"/>
               </a:ext>
             </a:extLst>
           </p:cNvPr>
@@ -2379,7 +2385,7 @@
           <a:p>
             <a:fld id="{39086945-8C11-C448-A258-728D1AC0750F}" type="datetimeFigureOut">
               <a:rPr lang="en-US" smtClean="0"/>
-              <a:t>8/18/21</a:t>
+              <a:t>8/18/2021</a:t>
             </a:fld>
             <a:endParaRPr lang="en-US"/>
           </a:p>
@@ -2390,7 +2396,7 @@
           <p:cNvPr id="6" name="Footer Placeholder 5">
             <a:extLst>
               <a:ext uri="{FF2B5EF4-FFF2-40B4-BE49-F238E27FC236}">
-                <a16:creationId xmlns:a16="http://schemas.microsoft.com/office/drawing/2014/main" id="{1B2B456C-78C9-CF42-AB3D-2D63AD95642F}"/>
+                <a16:creationId xmlns:a16="http://schemas.microsoft.com/office/drawing/2014/main" xmlns="" id="{1B2B456C-78C9-CF42-AB3D-2D63AD95642F}"/>
               </a:ext>
             </a:extLst>
           </p:cNvPr>
@@ -2415,7 +2421,7 @@
           <p:cNvPr id="7" name="Slide Number Placeholder 6">
             <a:extLst>
               <a:ext uri="{FF2B5EF4-FFF2-40B4-BE49-F238E27FC236}">
-                <a16:creationId xmlns:a16="http://schemas.microsoft.com/office/drawing/2014/main" id="{4E7CC9B6-3DFC-BB44-A7C8-04166FE795E8}"/>
+                <a16:creationId xmlns:a16="http://schemas.microsoft.com/office/drawing/2014/main" xmlns="" id="{4E7CC9B6-3DFC-BB44-A7C8-04166FE795E8}"/>
               </a:ext>
             </a:extLst>
           </p:cNvPr>
@@ -2474,7 +2480,7 @@
           <p:cNvPr id="2" name="Title 1">
             <a:extLst>
               <a:ext uri="{FF2B5EF4-FFF2-40B4-BE49-F238E27FC236}">
-                <a16:creationId xmlns:a16="http://schemas.microsoft.com/office/drawing/2014/main" id="{FC7269E0-A498-134E-ADFE-3D17671C89C5}"/>
+                <a16:creationId xmlns:a16="http://schemas.microsoft.com/office/drawing/2014/main" xmlns="" id="{FC7269E0-A498-134E-ADFE-3D17671C89C5}"/>
               </a:ext>
             </a:extLst>
           </p:cNvPr>
@@ -2511,7 +2517,7 @@
           <p:cNvPr id="3" name="Picture Placeholder 2">
             <a:extLst>
               <a:ext uri="{FF2B5EF4-FFF2-40B4-BE49-F238E27FC236}">
-                <a16:creationId xmlns:a16="http://schemas.microsoft.com/office/drawing/2014/main" id="{FC809201-FD0F-C74A-A421-33CECA8966E1}"/>
+                <a16:creationId xmlns:a16="http://schemas.microsoft.com/office/drawing/2014/main" xmlns="" id="{FC809201-FD0F-C74A-A421-33CECA8966E1}"/>
               </a:ext>
             </a:extLst>
           </p:cNvPr>
@@ -2578,7 +2584,7 @@
           <p:cNvPr id="4" name="Text Placeholder 3">
             <a:extLst>
               <a:ext uri="{FF2B5EF4-FFF2-40B4-BE49-F238E27FC236}">
-                <a16:creationId xmlns:a16="http://schemas.microsoft.com/office/drawing/2014/main" id="{C08D44E8-D46F-0740-BDE8-DE5C170C0196}"/>
+                <a16:creationId xmlns:a16="http://schemas.microsoft.com/office/drawing/2014/main" xmlns="" id="{C08D44E8-D46F-0740-BDE8-DE5C170C0196}"/>
               </a:ext>
             </a:extLst>
           </p:cNvPr>
@@ -2649,7 +2655,7 @@
           <p:cNvPr id="5" name="Date Placeholder 4">
             <a:extLst>
               <a:ext uri="{FF2B5EF4-FFF2-40B4-BE49-F238E27FC236}">
-                <a16:creationId xmlns:a16="http://schemas.microsoft.com/office/drawing/2014/main" id="{748F9A59-632A-754A-A101-C4E92155B152}"/>
+                <a16:creationId xmlns:a16="http://schemas.microsoft.com/office/drawing/2014/main" xmlns="" id="{748F9A59-632A-754A-A101-C4E92155B152}"/>
               </a:ext>
             </a:extLst>
           </p:cNvPr>
@@ -2667,7 +2673,7 @@
           <a:p>
             <a:fld id="{39086945-8C11-C448-A258-728D1AC0750F}" type="datetimeFigureOut">
               <a:rPr lang="en-US" smtClean="0"/>
-              <a:t>8/18/21</a:t>
+              <a:t>8/18/2021</a:t>
             </a:fld>
             <a:endParaRPr lang="en-US"/>
           </a:p>
@@ -2678,7 +2684,7 @@
           <p:cNvPr id="6" name="Footer Placeholder 5">
             <a:extLst>
               <a:ext uri="{FF2B5EF4-FFF2-40B4-BE49-F238E27FC236}">
-                <a16:creationId xmlns:a16="http://schemas.microsoft.com/office/drawing/2014/main" id="{E6691560-38E3-7C4F-9070-8EE6D745F4D0}"/>
+                <a16:creationId xmlns:a16="http://schemas.microsoft.com/office/drawing/2014/main" xmlns="" id="{E6691560-38E3-7C4F-9070-8EE6D745F4D0}"/>
               </a:ext>
             </a:extLst>
           </p:cNvPr>
@@ -2703,7 +2709,7 @@
           <p:cNvPr id="7" name="Slide Number Placeholder 6">
             <a:extLst>
               <a:ext uri="{FF2B5EF4-FFF2-40B4-BE49-F238E27FC236}">
-                <a16:creationId xmlns:a16="http://schemas.microsoft.com/office/drawing/2014/main" id="{E42D6EE1-62A2-E64B-9C5F-87A4FAB1488D}"/>
+                <a16:creationId xmlns:a16="http://schemas.microsoft.com/office/drawing/2014/main" xmlns="" id="{E42D6EE1-62A2-E64B-9C5F-87A4FAB1488D}"/>
               </a:ext>
             </a:extLst>
           </p:cNvPr>
@@ -2767,7 +2773,7 @@
           <p:cNvPr id="2" name="Title Placeholder 1">
             <a:extLst>
               <a:ext uri="{FF2B5EF4-FFF2-40B4-BE49-F238E27FC236}">
-                <a16:creationId xmlns:a16="http://schemas.microsoft.com/office/drawing/2014/main" id="{EE334C2C-592E-774A-A067-9D5283AF4107}"/>
+                <a16:creationId xmlns:a16="http://schemas.microsoft.com/office/drawing/2014/main" xmlns="" id="{EE334C2C-592E-774A-A067-9D5283AF4107}"/>
               </a:ext>
             </a:extLst>
           </p:cNvPr>
@@ -2805,7 +2811,7 @@
           <p:cNvPr id="3" name="Text Placeholder 2">
             <a:extLst>
               <a:ext uri="{FF2B5EF4-FFF2-40B4-BE49-F238E27FC236}">
-                <a16:creationId xmlns:a16="http://schemas.microsoft.com/office/drawing/2014/main" id="{25FEA4A7-F8A6-B548-92AE-EDE1A67ED682}"/>
+                <a16:creationId xmlns:a16="http://schemas.microsoft.com/office/drawing/2014/main" xmlns="" id="{25FEA4A7-F8A6-B548-92AE-EDE1A67ED682}"/>
               </a:ext>
             </a:extLst>
           </p:cNvPr>
@@ -2872,7 +2878,7 @@
           <p:cNvPr id="4" name="Date Placeholder 3">
             <a:extLst>
               <a:ext uri="{FF2B5EF4-FFF2-40B4-BE49-F238E27FC236}">
-                <a16:creationId xmlns:a16="http://schemas.microsoft.com/office/drawing/2014/main" id="{662E7C2C-882F-9041-9C4A-3CB01077E190}"/>
+                <a16:creationId xmlns:a16="http://schemas.microsoft.com/office/drawing/2014/main" xmlns="" id="{662E7C2C-882F-9041-9C4A-3CB01077E190}"/>
               </a:ext>
             </a:extLst>
           </p:cNvPr>
@@ -2908,7 +2914,7 @@
           <a:p>
             <a:fld id="{39086945-8C11-C448-A258-728D1AC0750F}" type="datetimeFigureOut">
               <a:rPr lang="en-US" smtClean="0"/>
-              <a:t>8/18/21</a:t>
+              <a:t>8/18/2021</a:t>
             </a:fld>
             <a:endParaRPr lang="en-US"/>
           </a:p>
@@ -2919,7 +2925,7 @@
           <p:cNvPr id="5" name="Footer Placeholder 4">
             <a:extLst>
               <a:ext uri="{FF2B5EF4-FFF2-40B4-BE49-F238E27FC236}">
-                <a16:creationId xmlns:a16="http://schemas.microsoft.com/office/drawing/2014/main" id="{B07DF269-F246-DB47-AA6E-4D81D4AAB5D5}"/>
+                <a16:creationId xmlns:a16="http://schemas.microsoft.com/office/drawing/2014/main" xmlns="" id="{B07DF269-F246-DB47-AA6E-4D81D4AAB5D5}"/>
               </a:ext>
             </a:extLst>
           </p:cNvPr>
@@ -2962,7 +2968,7 @@
           <p:cNvPr id="6" name="Slide Number Placeholder 5">
             <a:extLst>
               <a:ext uri="{FF2B5EF4-FFF2-40B4-BE49-F238E27FC236}">
-                <a16:creationId xmlns:a16="http://schemas.microsoft.com/office/drawing/2014/main" id="{14E9A16D-DB0F-954B-87FF-A170EC951C56}"/>
+                <a16:creationId xmlns:a16="http://schemas.microsoft.com/office/drawing/2014/main" xmlns="" id="{14E9A16D-DB0F-954B-87FF-A170EC951C56}"/>
               </a:ext>
             </a:extLst>
           </p:cNvPr>
@@ -3330,7 +3336,7 @@
           <p:cNvPr id="5" name="Picture 4">
             <a:extLst>
               <a:ext uri="{FF2B5EF4-FFF2-40B4-BE49-F238E27FC236}">
-                <a16:creationId xmlns:a16="http://schemas.microsoft.com/office/drawing/2014/main" id="{47AD9E27-077D-3045-98BB-0695744CA4BB}"/>
+                <a16:creationId xmlns:a16="http://schemas.microsoft.com/office/drawing/2014/main" xmlns="" id="{47AD9E27-077D-3045-98BB-0695744CA4BB}"/>
               </a:ext>
             </a:extLst>
           </p:cNvPr>
@@ -3387,38 +3393,138 @@
       </p:grpSpPr>
       <p:pic>
         <p:nvPicPr>
-          <p:cNvPr id="4" name="Picture 3">
-            <a:extLst>
-              <a:ext uri="{FF2B5EF4-FFF2-40B4-BE49-F238E27FC236}">
-                <a16:creationId xmlns:a16="http://schemas.microsoft.com/office/drawing/2014/main" id="{17249397-2E9A-C642-911C-356466FB9AFC}"/>
-              </a:ext>
-            </a:extLst>
-          </p:cNvPr>
+          <p:cNvPr id="4" name="Picture 3"/>
           <p:cNvPicPr>
             <a:picLocks noChangeAspect="1"/>
           </p:cNvPicPr>
           <p:nvPr/>
         </p:nvPicPr>
         <p:blipFill>
-          <a:blip r:embed="rId2"/>
+          <a:blip r:embed="rId2">
+            <a:extLst>
+              <a:ext uri="{28A0092B-C50C-407E-A947-70E740481C1C}">
+                <a14:useLocalDpi xmlns:a14="http://schemas.microsoft.com/office/drawing/2010/main" val="0"/>
+              </a:ext>
+            </a:extLst>
+          </a:blip>
           <a:stretch>
             <a:fillRect/>
           </a:stretch>
         </p:blipFill>
         <p:spPr>
           <a:xfrm>
-            <a:off x="1651000" y="649844"/>
-            <a:ext cx="8890000" cy="5130800"/>
+            <a:off x="5800725" y="2490787"/>
+            <a:ext cx="2762250" cy="1553766"/>
           </a:xfrm>
           <a:prstGeom prst="rect">
             <a:avLst/>
           </a:prstGeom>
         </p:spPr>
       </p:pic>
+      <p:pic>
+        <p:nvPicPr>
+          <p:cNvPr id="5" name="Picture 4">
+            <a:extLst>
+              <a:ext uri="{FF2B5EF4-FFF2-40B4-BE49-F238E27FC236}">
+                <a16:creationId xmlns:a16="http://schemas.microsoft.com/office/drawing/2014/main" xmlns="" id="{47AD9E27-077D-3045-98BB-0695744CA4BB}"/>
+              </a:ext>
+            </a:extLst>
+          </p:cNvPr>
+          <p:cNvPicPr>
+            <a:picLocks noChangeAspect="1"/>
+          </p:cNvPicPr>
+          <p:nvPr/>
+        </p:nvPicPr>
+        <p:blipFill rotWithShape="1">
+          <a:blip r:embed="rId3"/>
+          <a:srcRect l="24592" t="32020" r="31058" b="27145"/>
+          <a:stretch/>
+        </p:blipFill>
+        <p:spPr>
+          <a:xfrm>
+            <a:off x="1447800" y="2295525"/>
+            <a:ext cx="4638676" cy="2333625"/>
+          </a:xfrm>
+          <a:prstGeom prst="rect">
+            <a:avLst/>
+          </a:prstGeom>
+        </p:spPr>
+      </p:pic>
+      <p:pic>
+        <p:nvPicPr>
+          <p:cNvPr id="3" name="Picture 2"/>
+          <p:cNvPicPr>
+            <a:picLocks noChangeAspect="1"/>
+          </p:cNvPicPr>
+          <p:nvPr/>
+        </p:nvPicPr>
+        <p:blipFill>
+          <a:blip r:embed="rId4">
+            <a:extLst>
+              <a:ext uri="{28A0092B-C50C-407E-A947-70E740481C1C}">
+                <a14:useLocalDpi xmlns:a14="http://schemas.microsoft.com/office/drawing/2010/main" val="0"/>
+              </a:ext>
+            </a:extLst>
+          </a:blip>
+          <a:stretch>
+            <a:fillRect/>
+          </a:stretch>
+        </p:blipFill>
+        <p:spPr>
+          <a:xfrm>
+            <a:off x="6086476" y="2071386"/>
+            <a:ext cx="1460500" cy="838801"/>
+          </a:xfrm>
+          <a:prstGeom prst="rect">
+            <a:avLst/>
+          </a:prstGeom>
+        </p:spPr>
+      </p:pic>
+      <p:pic>
+        <p:nvPicPr>
+          <p:cNvPr id="2050" name="Picture 2" descr="Node.js Logo PNG Transparent &amp;amp; SVG Vector - Freebie Supply"/>
+          <p:cNvPicPr>
+            <a:picLocks noChangeAspect="1" noChangeArrowheads="1"/>
+          </p:cNvPicPr>
+          <p:nvPr/>
+        </p:nvPicPr>
+        <p:blipFill>
+          <a:blip r:embed="rId5">
+            <a:extLst>
+              <a:ext uri="{28A0092B-C50C-407E-A947-70E740481C1C}">
+                <a14:useLocalDpi xmlns:a14="http://schemas.microsoft.com/office/drawing/2010/main" val="0"/>
+              </a:ext>
+            </a:extLst>
+          </a:blip>
+          <a:srcRect/>
+          <a:stretch>
+            <a:fillRect/>
+          </a:stretch>
+        </p:blipFill>
+        <p:spPr bwMode="auto">
+          <a:xfrm>
+            <a:off x="6086476" y="3386733"/>
+            <a:ext cx="2046288" cy="1534716"/>
+          </a:xfrm>
+          <a:prstGeom prst="rect">
+            <a:avLst/>
+          </a:prstGeom>
+          <a:noFill/>
+          <a:extLst>
+            <a:ext uri="{909E8E84-426E-40DD-AFC4-6F175D3DCCD1}">
+              <a14:hiddenFill xmlns:a14="http://schemas.microsoft.com/office/drawing/2010/main">
+                <a:solidFill>
+                  <a:srgbClr val="FFFFFF"/>
+                </a:solidFill>
+              </a14:hiddenFill>
+            </a:ext>
+          </a:extLst>
+        </p:spPr>
+      </p:pic>
     </p:spTree>
     <p:extLst>
       <p:ext uri="{BB962C8B-B14F-4D97-AF65-F5344CB8AC3E}">
-        <p14:creationId xmlns:p14="http://schemas.microsoft.com/office/powerpoint/2010/main" val="2164942171"/>
+        <p14:creationId xmlns:p14="http://schemas.microsoft.com/office/powerpoint/2010/main" val="3825583821"/>
       </p:ext>
     </p:extLst>
   </p:cSld>
@@ -3445,12 +3551,367 @@
           <a:chExt cx="0" cy="0"/>
         </a:xfrm>
       </p:grpSpPr>
+      <p:sp>
+        <p:nvSpPr>
+          <p:cNvPr id="6" name="Rectangle 5"/>
+          <p:cNvSpPr/>
+          <p:nvPr/>
+        </p:nvSpPr>
+        <p:spPr>
+          <a:xfrm>
+            <a:off x="-1582057" y="-1741714"/>
+            <a:ext cx="15094857" cy="9753600"/>
+          </a:xfrm>
+          <a:prstGeom prst="rect">
+            <a:avLst/>
+          </a:prstGeom>
+          <a:solidFill>
+            <a:schemeClr val="bg1"/>
+          </a:solidFill>
+        </p:spPr>
+        <p:style>
+          <a:lnRef idx="2">
+            <a:schemeClr val="accent1">
+              <a:shade val="50000"/>
+            </a:schemeClr>
+          </a:lnRef>
+          <a:fillRef idx="1">
+            <a:schemeClr val="accent1"/>
+          </a:fillRef>
+          <a:effectRef idx="0">
+            <a:schemeClr val="accent1"/>
+          </a:effectRef>
+          <a:fontRef idx="minor">
+            <a:schemeClr val="lt1"/>
+          </a:fontRef>
+        </p:style>
+        <p:txBody>
+          <a:bodyPr rtlCol="0" anchor="ctr"/>
+          <a:lstStyle/>
+          <a:p>
+            <a:pPr algn="ctr"/>
+            <a:endParaRPr lang="en-US"/>
+          </a:p>
+        </p:txBody>
+      </p:sp>
+      <p:pic>
+        <p:nvPicPr>
+          <p:cNvPr id="4" name="Picture 3">
+            <a:extLst>
+              <a:ext uri="{FF2B5EF4-FFF2-40B4-BE49-F238E27FC236}">
+                <a16:creationId xmlns:a16="http://schemas.microsoft.com/office/drawing/2014/main" xmlns="" id="{17249397-2E9A-C642-911C-356466FB9AFC}"/>
+              </a:ext>
+            </a:extLst>
+          </p:cNvPr>
+          <p:cNvPicPr>
+            <a:picLocks noChangeAspect="1"/>
+          </p:cNvPicPr>
+          <p:nvPr/>
+        </p:nvPicPr>
+        <p:blipFill rotWithShape="1">
+          <a:blip r:embed="rId2"/>
+          <a:srcRect l="32531" t="11663" r="32367" b="2906"/>
+          <a:stretch/>
+        </p:blipFill>
+        <p:spPr>
+          <a:xfrm>
+            <a:off x="-95319" y="1219152"/>
+            <a:ext cx="3901420" cy="5480132"/>
+          </a:xfrm>
+          <a:prstGeom prst="rect">
+            <a:avLst/>
+          </a:prstGeom>
+        </p:spPr>
+      </p:pic>
+      <p:pic>
+        <p:nvPicPr>
+          <p:cNvPr id="3" name="Picture 2">
+            <a:extLst>
+              <a:ext uri="{FF2B5EF4-FFF2-40B4-BE49-F238E27FC236}">
+                <a16:creationId xmlns:a16="http://schemas.microsoft.com/office/drawing/2014/main" xmlns="" id="{EE776E2C-848D-AE4F-92D9-A076B88C437F}"/>
+              </a:ext>
+            </a:extLst>
+          </p:cNvPr>
+          <p:cNvPicPr>
+            <a:picLocks noChangeAspect="1"/>
+          </p:cNvPicPr>
+          <p:nvPr/>
+        </p:nvPicPr>
+        <p:blipFill rotWithShape="1">
+          <a:blip r:embed="rId3"/>
+          <a:srcRect b="17749"/>
+          <a:stretch/>
+        </p:blipFill>
+        <p:spPr>
+          <a:xfrm>
+            <a:off x="3941425" y="-1104075"/>
+            <a:ext cx="7411860" cy="4383315"/>
+          </a:xfrm>
+          <a:prstGeom prst="rect">
+            <a:avLst/>
+          </a:prstGeom>
+        </p:spPr>
+      </p:pic>
       <p:pic>
         <p:nvPicPr>
           <p:cNvPr id="5" name="Picture 4">
             <a:extLst>
               <a:ext uri="{FF2B5EF4-FFF2-40B4-BE49-F238E27FC236}">
-                <a16:creationId xmlns:a16="http://schemas.microsoft.com/office/drawing/2014/main" id="{EE776E2C-848D-AE4F-92D9-A076B88C437F}"/>
+                <a16:creationId xmlns:a16="http://schemas.microsoft.com/office/drawing/2014/main" xmlns="" id="{850221F5-D8C7-8D48-B3BC-4A10434F4B28}"/>
+              </a:ext>
+            </a:extLst>
+          </p:cNvPr>
+          <p:cNvPicPr>
+            <a:picLocks noChangeAspect="1"/>
+          </p:cNvPicPr>
+          <p:nvPr/>
+        </p:nvPicPr>
+        <p:blipFill>
+          <a:blip r:embed="rId4"/>
+          <a:stretch>
+            <a:fillRect/>
+          </a:stretch>
+        </p:blipFill>
+        <p:spPr>
+          <a:xfrm>
+            <a:off x="3941425" y="3279240"/>
+            <a:ext cx="7411860" cy="3420044"/>
+          </a:xfrm>
+          <a:prstGeom prst="rect">
+            <a:avLst/>
+          </a:prstGeom>
+        </p:spPr>
+      </p:pic>
+      <p:sp>
+        <p:nvSpPr>
+          <p:cNvPr id="2" name="AutoShape 2" descr="data:image/png;base64,iVBORw0KGgoAAAANSUhEUgAAAHcAAAAwCAMAAAAcuhVsAAAAZlBMVEX///9ncuVlcOVeauRgbORjbuTs7ft5gudbZ+SUm+zJzPWMlOpxe+axtvDv8Pz4+P7z9P1UYePO0fbBxfPj5fqrsO+DjOmYn+y6vvKJkeqkqu61uvHS1fba3PhueOZ1f+dMWuJ+h+gl2SYCAAADyklEQVRYhe2Y2ZqqOhBGM0rJGGZEgc37v+QOZAS1tZveXpzv1BWQ8C+K1BBA6JhV2UGB71ta1DP8OX2YWlOgjGP4NPfM8WL/hnsqevFhbjZcIwyQpx/mJjlblOlXXM5+P66udPXnORcAN3XxbPjHlrCvuV1Z/TbyLe7vWTqEZXirxEvuqXr6MKeiLB68h6wqynB4lBppHctCQCkAm/rBcXG8GM5QsR7hEoWxjPICtaMakXHVmDnlBCAVxmRbPKtWJoaUpk2xxyaUEqyNsPzmuJhIgwyFsBywvgQ5EUJ0ZmQdkdyAL0c0bEBrUDx42j1wLcWh2fp8Buwb+Nz1guSq+B5XDRr6+RsoHON2PgHrWRZQT4hjf4nqLfYrrnboEXcrYVY5YJvrfPSCAfY3HeeSWGm3dDfAWueuRpC1xZAtl3Bp+Y4LT7iM2ael3SI9aJcYHTndvQk0qfvIXBZh18bAPC5pLtJmj0uA8fwhl459V2NLXqQbPatPUVYqBW4dZt7E5bUntHD5a1LCcFlcCCTEo7hK1omRloPBriBVIzd1BkaSbrnSxH3d0Fx+MSlw768eifVj9LLIKxETS8p7G+v6AVnkJ9cTLjU33XOJHhnUTBIgNK+TeK9HVK9h5lQvgkzrqHjJDV/6i/QpIKQd6vTAbdXgjZG0ecQptNVhbquGcpHqFaS5MsMxE2cvV3nenA5y9apCVe0Lg/bfvtRpU8vy8BhXJwxUw2MutVzU53558vrCj7gv/PW4SPQUvLqe/YDLjZa+FU6Wyzfmc6UVERinoTzCvei4ykxcTdHGLmhnotcPyKMjXFeHtFq7B92ZDgkyu5f1ba6pw42pG34l9O2c2EIlNHey/hrO21xhyl/igrP2cXYTdAZ2LhS6s89q+uC4OCze4jZLyalGU64q19mhNjARBiFyElxu56K+nU3T6c3bkk15vgSu/36VR5zGzWT2WEt5tiEmm+P52nVJGzAKPherBm8auOxhbhNCOIG3uOse0ByqruMymDPK1k2F7SxGwtlauWfv6rvcnYS05K50POcStqypX+S+zSXchOrdBsvjbocYVi3p6sDvcV2p5dx9NNSwdSu363ubgZqlJZT2JvZKyoh6+D+Sm7PF7F0yCdZzxx07NZ9wuPg7iGEGs7WWH67Y/5g4lW0gN4OUx1HnbaxFPcloIHEr+0RVJ4vVxpEwUefC6wtq/tj6XwtrdNUzXoTGpt4PLZQ0vf8plKXi5Z8ivx+J9MmPiYfqx2zfBz9l/3P/+1yZmfBp7gQAl+T27M/eP7PrD/5i/QVFwjaQ08Ki2QAAAABJRU5ErkJggg=="/>
+          <p:cNvSpPr>
+            <a:spLocks noChangeAspect="1" noChangeArrowheads="1"/>
+          </p:cNvSpPr>
+          <p:nvPr/>
+        </p:nvSpPr>
+        <p:spPr bwMode="auto">
+          <a:xfrm>
+            <a:off x="155575" y="-144463"/>
+            <a:ext cx="304800" cy="304801"/>
+          </a:xfrm>
+          <a:prstGeom prst="rect">
+            <a:avLst/>
+          </a:prstGeom>
+          <a:noFill/>
+          <a:extLst>
+            <a:ext uri="{909E8E84-426E-40DD-AFC4-6F175D3DCCD1}">
+              <a14:hiddenFill xmlns:a14="http://schemas.microsoft.com/office/drawing/2010/main">
+                <a:solidFill>
+                  <a:srgbClr val="FFFFFF"/>
+                </a:solidFill>
+              </a14:hiddenFill>
+            </a:ext>
+          </a:extLst>
+        </p:spPr>
+        <p:txBody>
+          <a:bodyPr vert="horz" wrap="square" lIns="91440" tIns="45720" rIns="91440" bIns="45720" numCol="1" anchor="t" anchorCtr="0" compatLnSpc="1">
+            <a:prstTxWarp prst="textNoShape">
+              <a:avLst/>
+            </a:prstTxWarp>
+          </a:bodyPr>
+          <a:lstStyle/>
+          <a:p>
+            <a:endParaRPr lang="en-US"/>
+          </a:p>
+        </p:txBody>
+      </p:sp>
+      <p:pic>
+        <p:nvPicPr>
+          <p:cNvPr id="1028" name="Picture 4" descr="stripe.com/img/about/logos/logos/blue@2x.png"/>
+          <p:cNvPicPr>
+            <a:picLocks noChangeAspect="1" noChangeArrowheads="1"/>
+          </p:cNvPicPr>
+          <p:nvPr/>
+        </p:nvPicPr>
+        <p:blipFill>
+          <a:blip r:embed="rId5">
+            <a:extLst>
+              <a:ext uri="{28A0092B-C50C-407E-A947-70E740481C1C}">
+                <a14:useLocalDpi xmlns:a14="http://schemas.microsoft.com/office/drawing/2010/main" val="0"/>
+              </a:ext>
+            </a:extLst>
+          </a:blip>
+          <a:srcRect/>
+          <a:stretch>
+            <a:fillRect/>
+          </a:stretch>
+        </p:blipFill>
+        <p:spPr bwMode="auto">
+          <a:xfrm>
+            <a:off x="38666" y="-246757"/>
+            <a:ext cx="3633450" cy="1465909"/>
+          </a:xfrm>
+          <a:prstGeom prst="rect">
+            <a:avLst/>
+          </a:prstGeom>
+          <a:noFill/>
+          <a:extLst>
+            <a:ext uri="{909E8E84-426E-40DD-AFC4-6F175D3DCCD1}">
+              <a14:hiddenFill xmlns:a14="http://schemas.microsoft.com/office/drawing/2010/main">
+                <a:solidFill>
+                  <a:srgbClr val="FFFFFF"/>
+                </a:solidFill>
+              </a14:hiddenFill>
+            </a:ext>
+          </a:extLst>
+        </p:spPr>
+      </p:pic>
+      <p:sp>
+        <p:nvSpPr>
+          <p:cNvPr id="7" name="TextBox 6"/>
+          <p:cNvSpPr txBox="1"/>
+          <p:nvPr/>
+        </p:nvSpPr>
+        <p:spPr>
+          <a:xfrm>
+            <a:off x="-61795" y="-851211"/>
+            <a:ext cx="3043120" cy="400110"/>
+          </a:xfrm>
+          <a:prstGeom prst="rect">
+            <a:avLst/>
+          </a:prstGeom>
+          <a:noFill/>
+        </p:spPr>
+        <p:txBody>
+          <a:bodyPr wrap="square" rtlCol="0">
+            <a:spAutoFit/>
+          </a:bodyPr>
+          <a:lstStyle/>
+          <a:p>
+            <a:r>
+              <a:rPr lang="en-US" sz="2000" b="1" dirty="0" smtClean="0">
+                <a:latin typeface="Arimo" panose="020B0604020202020204" pitchFamily="34" charset="0"/>
+                <a:ea typeface="Arimo" panose="020B0604020202020204" pitchFamily="34" charset="0"/>
+                <a:cs typeface="Arimo" panose="020B0604020202020204" pitchFamily="34" charset="0"/>
+              </a:rPr>
+              <a:t>Step 1 : Add Credits</a:t>
+            </a:r>
+            <a:endParaRPr lang="en-US" sz="2000" b="1" dirty="0">
+              <a:latin typeface="Arimo" panose="020B0604020202020204" pitchFamily="34" charset="0"/>
+              <a:ea typeface="Arimo" panose="020B0604020202020204" pitchFamily="34" charset="0"/>
+              <a:cs typeface="Arimo" panose="020B0604020202020204" pitchFamily="34" charset="0"/>
+            </a:endParaRPr>
+          </a:p>
+        </p:txBody>
+      </p:sp>
+      <p:sp>
+        <p:nvSpPr>
+          <p:cNvPr id="9" name="TextBox 8"/>
+          <p:cNvSpPr txBox="1"/>
+          <p:nvPr/>
+        </p:nvSpPr>
+        <p:spPr>
+          <a:xfrm>
+            <a:off x="5461687" y="-1035702"/>
+            <a:ext cx="3043120" cy="400110"/>
+          </a:xfrm>
+          <a:prstGeom prst="rect">
+            <a:avLst/>
+          </a:prstGeom>
+          <a:noFill/>
+        </p:spPr>
+        <p:txBody>
+          <a:bodyPr wrap="square" rtlCol="0">
+            <a:spAutoFit/>
+          </a:bodyPr>
+          <a:lstStyle/>
+          <a:p>
+            <a:r>
+              <a:rPr lang="en-US" sz="2000" b="1" dirty="0" smtClean="0">
+                <a:latin typeface="Arimo" panose="020B0604020202020204" pitchFamily="34" charset="0"/>
+                <a:ea typeface="Arimo" panose="020B0604020202020204" pitchFamily="34" charset="0"/>
+                <a:cs typeface="Arimo" panose="020B0604020202020204" pitchFamily="34" charset="0"/>
+              </a:rPr>
+              <a:t>Step 2 : Create Survey</a:t>
+            </a:r>
+            <a:endParaRPr lang="en-US" sz="2000" b="1" dirty="0">
+              <a:latin typeface="Arimo" panose="020B0604020202020204" pitchFamily="34" charset="0"/>
+              <a:ea typeface="Arimo" panose="020B0604020202020204" pitchFamily="34" charset="0"/>
+              <a:cs typeface="Arimo" panose="020B0604020202020204" pitchFamily="34" charset="0"/>
+            </a:endParaRPr>
+          </a:p>
+        </p:txBody>
+      </p:sp>
+      <p:sp>
+        <p:nvSpPr>
+          <p:cNvPr id="10" name="TextBox 9"/>
+          <p:cNvSpPr txBox="1"/>
+          <p:nvPr/>
+        </p:nvSpPr>
+        <p:spPr>
+          <a:xfrm>
+            <a:off x="5292839" y="3347613"/>
+            <a:ext cx="3043120" cy="400110"/>
+          </a:xfrm>
+          <a:prstGeom prst="rect">
+            <a:avLst/>
+          </a:prstGeom>
+          <a:noFill/>
+        </p:spPr>
+        <p:txBody>
+          <a:bodyPr wrap="square" rtlCol="0">
+            <a:spAutoFit/>
+          </a:bodyPr>
+          <a:lstStyle/>
+          <a:p>
+            <a:r>
+              <a:rPr lang="en-US" sz="2000" b="1" dirty="0" smtClean="0">
+                <a:latin typeface="Arimo" panose="020B0604020202020204" pitchFamily="34" charset="0"/>
+                <a:ea typeface="Arimo" panose="020B0604020202020204" pitchFamily="34" charset="0"/>
+                <a:cs typeface="Arimo" panose="020B0604020202020204" pitchFamily="34" charset="0"/>
+              </a:rPr>
+              <a:t>Step 3 : Send Survey</a:t>
+            </a:r>
+            <a:endParaRPr lang="en-US" sz="2000" b="1" dirty="0">
+              <a:latin typeface="Arimo" panose="020B0604020202020204" pitchFamily="34" charset="0"/>
+              <a:ea typeface="Arimo" panose="020B0604020202020204" pitchFamily="34" charset="0"/>
+              <a:cs typeface="Arimo" panose="020B0604020202020204" pitchFamily="34" charset="0"/>
+            </a:endParaRPr>
+          </a:p>
+        </p:txBody>
+      </p:sp>
+    </p:spTree>
+    <p:extLst>
+      <p:ext uri="{BB962C8B-B14F-4D97-AF65-F5344CB8AC3E}">
+        <p14:creationId xmlns:p14="http://schemas.microsoft.com/office/powerpoint/2010/main" val="2164942171"/>
+      </p:ext>
+    </p:extLst>
+  </p:cSld>
+  <p:clrMapOvr>
+    <a:masterClrMapping/>
+  </p:clrMapOvr>
+</p:sld>
+</file>
+
+<file path=ppt/slides/slide4.xml><?xml version="1.0" encoding="utf-8"?>
+<p:sld xmlns:a="http://schemas.openxmlformats.org/drawingml/2006/main" xmlns:r="http://schemas.openxmlformats.org/officeDocument/2006/relationships" xmlns:p="http://schemas.openxmlformats.org/presentationml/2006/main">
+  <p:cSld>
+    <p:spTree>
+      <p:nvGrpSpPr>
+        <p:cNvPr id="1" name=""/>
+        <p:cNvGrpSpPr/>
+        <p:nvPr/>
+      </p:nvGrpSpPr>
+      <p:grpSpPr>
+        <a:xfrm>
+          <a:off x="0" y="0"/>
+          <a:ext cx="0" cy="0"/>
+          <a:chOff x="0" y="0"/>
+          <a:chExt cx="0" cy="0"/>
+        </a:xfrm>
+      </p:grpSpPr>
+      <p:pic>
+        <p:nvPicPr>
+          <p:cNvPr id="5" name="Picture 4">
+            <a:extLst>
+              <a:ext uri="{FF2B5EF4-FFF2-40B4-BE49-F238E27FC236}">
+                <a16:creationId xmlns:a16="http://schemas.microsoft.com/office/drawing/2014/main" xmlns="" id="{EE776E2C-848D-AE4F-92D9-A076B88C437F}"/>
               </a:ext>
             </a:extLst>
           </p:cNvPr>
@@ -3487,7 +3948,7 @@
 </p:sld>
 </file>
 
-<file path=ppt/slides/slide4.xml><?xml version="1.0" encoding="utf-8"?>
+<file path=ppt/slides/slide5.xml><?xml version="1.0" encoding="utf-8"?>
 <p:sld xmlns:a="http://schemas.openxmlformats.org/drawingml/2006/main" xmlns:r="http://schemas.openxmlformats.org/officeDocument/2006/relationships" xmlns:p="http://schemas.openxmlformats.org/presentationml/2006/main">
   <p:cSld>
     <p:spTree>
@@ -3509,7 +3970,7 @@
           <p:cNvPr id="4" name="Picture 3">
             <a:extLst>
               <a:ext uri="{FF2B5EF4-FFF2-40B4-BE49-F238E27FC236}">
-                <a16:creationId xmlns:a16="http://schemas.microsoft.com/office/drawing/2014/main" id="{850221F5-D8C7-8D48-B3BC-4A10434F4B28}"/>
+                <a16:creationId xmlns:a16="http://schemas.microsoft.com/office/drawing/2014/main" xmlns="" id="{850221F5-D8C7-8D48-B3BC-4A10434F4B28}"/>
               </a:ext>
             </a:extLst>
           </p:cNvPr>
@@ -3547,7 +4008,7 @@
 </p:sld>
 </file>
 
-<file path=ppt/slides/slide5.xml><?xml version="1.0" encoding="utf-8"?>
+<file path=ppt/slides/slide6.xml><?xml version="1.0" encoding="utf-8"?>
 <p:sld xmlns:a="http://schemas.openxmlformats.org/drawingml/2006/main" xmlns:r="http://schemas.openxmlformats.org/officeDocument/2006/relationships" xmlns:p="http://schemas.openxmlformats.org/presentationml/2006/main">
   <p:cSld>
     <p:spTree>
@@ -3564,36 +4025,189 @@
           <a:chExt cx="0" cy="0"/>
         </a:xfrm>
       </p:grpSpPr>
-      <p:pic>
-        <p:nvPicPr>
-          <p:cNvPr id="7" name="Picture 6">
-            <a:extLst>
-              <a:ext uri="{FF2B5EF4-FFF2-40B4-BE49-F238E27FC236}">
-                <a16:creationId xmlns:a16="http://schemas.microsoft.com/office/drawing/2014/main" id="{177C4593-BA2C-C143-98C4-03CA1AEA5351}"/>
-              </a:ext>
-            </a:extLst>
-          </p:cNvPr>
-          <p:cNvPicPr>
-            <a:picLocks noChangeAspect="1"/>
-          </p:cNvPicPr>
+      <p:grpSp>
+        <p:nvGrpSpPr>
+          <p:cNvPr id="8" name="Group 7"/>
+          <p:cNvGrpSpPr/>
           <p:nvPr/>
-        </p:nvPicPr>
-        <p:blipFill>
-          <a:blip r:embed="rId2"/>
-          <a:stretch>
-            <a:fillRect/>
-          </a:stretch>
-        </p:blipFill>
-        <p:spPr>
+        </p:nvGrpSpPr>
+        <p:grpSpPr>
           <a:xfrm>
-            <a:off x="1320800" y="0"/>
-            <a:ext cx="9550400" cy="6858000"/>
+            <a:off x="238125" y="-133350"/>
+            <a:ext cx="11801475" cy="7105650"/>
+            <a:chOff x="238125" y="-133350"/>
+            <a:chExt cx="11801475" cy="7105650"/>
           </a:xfrm>
-          <a:prstGeom prst="rect">
-            <a:avLst/>
-          </a:prstGeom>
-        </p:spPr>
-      </p:pic>
+        </p:grpSpPr>
+        <p:sp>
+          <p:nvSpPr>
+            <p:cNvPr id="6" name="Rectangle 5"/>
+            <p:cNvSpPr/>
+            <p:nvPr/>
+          </p:nvSpPr>
+          <p:spPr>
+            <a:xfrm>
+              <a:off x="238125" y="-133350"/>
+              <a:ext cx="11801475" cy="7105650"/>
+            </a:xfrm>
+            <a:prstGeom prst="rect">
+              <a:avLst/>
+            </a:prstGeom>
+            <a:solidFill>
+              <a:schemeClr val="bg1"/>
+            </a:solidFill>
+          </p:spPr>
+          <p:style>
+            <a:lnRef idx="2">
+              <a:schemeClr val="accent1">
+                <a:shade val="50000"/>
+              </a:schemeClr>
+            </a:lnRef>
+            <a:fillRef idx="1">
+              <a:schemeClr val="accent1"/>
+            </a:fillRef>
+            <a:effectRef idx="0">
+              <a:schemeClr val="accent1"/>
+            </a:effectRef>
+            <a:fontRef idx="minor">
+              <a:schemeClr val="lt1"/>
+            </a:fontRef>
+          </p:style>
+          <p:txBody>
+            <a:bodyPr rtlCol="0" anchor="ctr"/>
+            <a:lstStyle/>
+            <a:p>
+              <a:pPr algn="ctr"/>
+              <a:endParaRPr lang="en-US"/>
+            </a:p>
+          </p:txBody>
+        </p:sp>
+        <p:grpSp>
+          <p:nvGrpSpPr>
+            <p:cNvPr id="5" name="Group 4"/>
+            <p:cNvGrpSpPr/>
+            <p:nvPr/>
+          </p:nvGrpSpPr>
+          <p:grpSpPr>
+            <a:xfrm>
+              <a:off x="405099" y="-133350"/>
+              <a:ext cx="11381801" cy="6858000"/>
+              <a:chOff x="405099" y="-133350"/>
+              <a:chExt cx="11381801" cy="6858000"/>
+            </a:xfrm>
+          </p:grpSpPr>
+          <p:pic>
+            <p:nvPicPr>
+              <p:cNvPr id="2" name="Picture 1"/>
+              <p:cNvPicPr>
+                <a:picLocks noChangeAspect="1"/>
+              </p:cNvPicPr>
+              <p:nvPr/>
+            </p:nvPicPr>
+            <p:blipFill>
+              <a:blip r:embed="rId2"/>
+              <a:stretch>
+                <a:fillRect/>
+              </a:stretch>
+            </p:blipFill>
+            <p:spPr>
+              <a:xfrm>
+                <a:off x="405099" y="-133350"/>
+                <a:ext cx="11381801" cy="6858000"/>
+              </a:xfrm>
+              <a:prstGeom prst="rect">
+                <a:avLst/>
+              </a:prstGeom>
+            </p:spPr>
+          </p:pic>
+          <p:sp>
+            <p:nvSpPr>
+              <p:cNvPr id="3" name="Rectangle 2"/>
+              <p:cNvSpPr/>
+              <p:nvPr/>
+            </p:nvSpPr>
+            <p:spPr>
+              <a:xfrm>
+                <a:off x="7981950" y="2400300"/>
+                <a:ext cx="828675" cy="323850"/>
+              </a:xfrm>
+              <a:prstGeom prst="rect">
+                <a:avLst/>
+              </a:prstGeom>
+              <a:solidFill>
+                <a:schemeClr val="bg1"/>
+              </a:solidFill>
+              <a:ln>
+                <a:solidFill>
+                  <a:schemeClr val="bg1"/>
+                </a:solidFill>
+              </a:ln>
+            </p:spPr>
+            <p:style>
+              <a:lnRef idx="2">
+                <a:schemeClr val="accent1">
+                  <a:shade val="50000"/>
+                </a:schemeClr>
+              </a:lnRef>
+              <a:fillRef idx="1">
+                <a:schemeClr val="accent1"/>
+              </a:fillRef>
+              <a:effectRef idx="0">
+                <a:schemeClr val="accent1"/>
+              </a:effectRef>
+              <a:fontRef idx="minor">
+                <a:schemeClr val="lt1"/>
+              </a:fontRef>
+            </p:style>
+            <p:txBody>
+              <a:bodyPr rtlCol="0" anchor="ctr"/>
+              <a:lstStyle/>
+              <a:p>
+                <a:pPr algn="ctr"/>
+                <a:endParaRPr lang="en-US"/>
+              </a:p>
+            </p:txBody>
+          </p:sp>
+          <p:sp>
+            <p:nvSpPr>
+              <p:cNvPr id="4" name="TextBox 3"/>
+              <p:cNvSpPr txBox="1"/>
+              <p:nvPr/>
+            </p:nvSpPr>
+            <p:spPr>
+              <a:xfrm>
+                <a:off x="7948612" y="2533650"/>
+                <a:ext cx="914400" cy="246221"/>
+              </a:xfrm>
+              <a:prstGeom prst="rect">
+                <a:avLst/>
+              </a:prstGeom>
+              <a:noFill/>
+            </p:spPr>
+            <p:txBody>
+              <a:bodyPr wrap="square" rtlCol="0">
+                <a:spAutoFit/>
+              </a:bodyPr>
+              <a:lstStyle/>
+              <a:p>
+                <a:r>
+                  <a:rPr lang="en-US" sz="1000" dirty="0" smtClean="0">
+                    <a:solidFill>
+                      <a:srgbClr val="1E2224"/>
+                    </a:solidFill>
+                  </a:rPr>
+                  <a:t>04/23/2021</a:t>
+                </a:r>
+                <a:endParaRPr lang="en-US" sz="1000" dirty="0">
+                  <a:solidFill>
+                    <a:srgbClr val="1E2224"/>
+                  </a:solidFill>
+                </a:endParaRPr>
+              </a:p>
+            </p:txBody>
+          </p:sp>
+        </p:grpSp>
+      </p:grpSp>
     </p:spTree>
     <p:extLst>
       <p:ext uri="{BB962C8B-B14F-4D97-AF65-F5344CB8AC3E}">
